--- a/基于卷积神经网络的图像恢复.pptx
+++ b/基于卷积神经网络的图像恢复.pptx
@@ -8,6 +8,8 @@
     <p:sldId id="257" r:id="rId2"/>
     <p:sldId id="258" r:id="rId3"/>
     <p:sldId id="256" r:id="rId4"/>
+    <p:sldId id="259" r:id="rId5"/>
+    <p:sldId id="260" r:id="rId6"/>
   </p:sldIdLst>
   <p:sldSz cx="12192000" cy="6858000"/>
   <p:notesSz cx="6858000" cy="9144000"/>
@@ -4536,7 +4538,7 @@
           <a:p>
             <a:pPr algn="ctr"/>
             <a:r>
-              <a:rPr lang="zh-CN" altLang="en-US" dirty="0"/>
+              <a:rPr lang="zh-CN" altLang="en-US" b="1" dirty="0"/>
               <a:t>退化的图像 </a:t>
             </a:r>
             <a:r>
@@ -4577,7 +4579,7 @@
           <a:p>
             <a:pPr algn="ctr"/>
             <a:r>
-              <a:rPr lang="zh-CN" altLang="en-US" dirty="0"/>
+              <a:rPr lang="zh-CN" altLang="en-US" b="1" dirty="0"/>
               <a:t>生成的图像 </a:t>
             </a:r>
             <a:r>
@@ -4621,7 +4623,7 @@
           <a:p>
             <a:pPr algn="ctr"/>
             <a:r>
-              <a:rPr lang="zh-CN" altLang="en-US" dirty="0"/>
+              <a:rPr lang="zh-CN" altLang="en-US" b="1" dirty="0"/>
               <a:t>原图像 </a:t>
             </a:r>
             <a:r>
@@ -4982,7 +4984,7 @@
         </p:nvSpPr>
         <p:spPr>
           <a:xfrm>
-            <a:off x="5553030" y="685930"/>
+            <a:off x="5569335" y="761993"/>
             <a:ext cx="1512000" cy="369332"/>
           </a:xfrm>
           <a:prstGeom prst="rect">
@@ -4998,7 +5000,7 @@
           <a:p>
             <a:pPr algn="ctr"/>
             <a:r>
-              <a:rPr lang="zh-CN" altLang="en-US" dirty="0"/>
+              <a:rPr lang="zh-CN" altLang="en-US" b="1" dirty="0"/>
               <a:t>神经网络</a:t>
             </a:r>
           </a:p>
@@ -5133,7 +5135,7 @@
         <p:spPr>
           <a:xfrm>
             <a:off x="635174" y="5472157"/>
-            <a:ext cx="1404000" cy="360000"/>
+            <a:ext cx="1404000" cy="369332"/>
           </a:xfrm>
           <a:prstGeom prst="rect">
             <a:avLst/>
@@ -5148,8 +5150,8 @@
           <a:p>
             <a:pPr algn="ctr"/>
             <a:r>
-              <a:rPr lang="zh-CN" altLang="en-US" dirty="0"/>
-              <a:t>退化图像</a:t>
+              <a:rPr lang="zh-CN" altLang="en-US" b="1" dirty="0"/>
+              <a:t>退化的图像</a:t>
             </a:r>
           </a:p>
         </p:txBody>
@@ -5169,7 +5171,7 @@
         <p:spPr>
           <a:xfrm>
             <a:off x="10289757" y="5472157"/>
-            <a:ext cx="1404000" cy="360000"/>
+            <a:ext cx="1404000" cy="369332"/>
           </a:xfrm>
           <a:prstGeom prst="rect">
             <a:avLst/>
@@ -5184,7 +5186,7 @@
           <a:p>
             <a:pPr algn="ctr"/>
             <a:r>
-              <a:rPr lang="zh-CN" altLang="en-US" dirty="0"/>
+              <a:rPr lang="zh-CN" altLang="en-US" b="1" dirty="0"/>
               <a:t>原图像</a:t>
             </a:r>
           </a:p>
@@ -5320,7 +5322,7 @@
         </p:nvSpPr>
         <p:spPr>
           <a:xfrm>
-            <a:off x="6833888" y="3407092"/>
+            <a:off x="6833888" y="3331826"/>
             <a:ext cx="924000" cy="720000"/>
           </a:xfrm>
           <a:prstGeom prst="rect">
@@ -5497,7 +5499,7 @@
         </p:nvSpPr>
         <p:spPr>
           <a:xfrm>
-            <a:off x="7370814" y="2971826"/>
+            <a:off x="7488311" y="2937412"/>
             <a:ext cx="1848000" cy="1440000"/>
           </a:xfrm>
           <a:prstGeom prst="rect">
@@ -5556,7 +5558,7 @@
         </p:nvSpPr>
         <p:spPr>
           <a:xfrm>
-            <a:off x="8219757" y="2795430"/>
+            <a:off x="8219757" y="2791826"/>
             <a:ext cx="2772000" cy="2160000"/>
           </a:xfrm>
           <a:prstGeom prst="rect">
@@ -5615,7 +5617,7 @@
         </p:nvSpPr>
         <p:spPr>
           <a:xfrm>
-            <a:off x="5429888" y="5460932"/>
+            <a:off x="5550009" y="1968890"/>
             <a:ext cx="1404000" cy="369332"/>
           </a:xfrm>
           <a:prstGeom prst="rect">
@@ -5637,10 +5639,1583 @@
           </a:p>
         </p:txBody>
       </p:sp>
+      <p:sp>
+        <p:nvSpPr>
+          <p:cNvPr id="19" name="左大括号 18">
+            <a:extLst>
+              <a:ext uri="{FF2B5EF4-FFF2-40B4-BE49-F238E27FC236}">
+                <a16:creationId xmlns:a16="http://schemas.microsoft.com/office/drawing/2014/main" id="{DB28C0CD-CC68-43AF-402D-1123821C3A6B}"/>
+              </a:ext>
+            </a:extLst>
+          </p:cNvPr>
+          <p:cNvSpPr/>
+          <p:nvPr/>
+        </p:nvSpPr>
+        <p:spPr>
+          <a:xfrm rot="16200000">
+            <a:off x="4138170" y="3737797"/>
+            <a:ext cx="540000" cy="4137660"/>
+          </a:xfrm>
+          <a:prstGeom prst="leftBrace">
+            <a:avLst/>
+          </a:prstGeom>
+        </p:spPr>
+        <p:style>
+          <a:lnRef idx="2">
+            <a:schemeClr val="accent1"/>
+          </a:lnRef>
+          <a:fillRef idx="0">
+            <a:schemeClr val="accent1"/>
+          </a:fillRef>
+          <a:effectRef idx="1">
+            <a:schemeClr val="accent1"/>
+          </a:effectRef>
+          <a:fontRef idx="minor">
+            <a:schemeClr val="tx1"/>
+          </a:fontRef>
+        </p:style>
+        <p:txBody>
+          <a:bodyPr rtlCol="0" anchor="ctr"/>
+          <a:lstStyle/>
+          <a:p>
+            <a:pPr algn="ctr"/>
+            <a:endParaRPr lang="zh-CN" altLang="en-US"/>
+          </a:p>
+        </p:txBody>
+      </p:sp>
+      <p:sp>
+        <p:nvSpPr>
+          <p:cNvPr id="20" name="文本框 19">
+            <a:extLst>
+              <a:ext uri="{FF2B5EF4-FFF2-40B4-BE49-F238E27FC236}">
+                <a16:creationId xmlns:a16="http://schemas.microsoft.com/office/drawing/2014/main" id="{7C90C2EC-6096-CB65-C272-10132C80FCF7}"/>
+              </a:ext>
+            </a:extLst>
+          </p:cNvPr>
+          <p:cNvSpPr txBox="1"/>
+          <p:nvPr/>
+        </p:nvSpPr>
+        <p:spPr>
+          <a:xfrm>
+            <a:off x="3706170" y="6098094"/>
+            <a:ext cx="1404000" cy="369332"/>
+          </a:xfrm>
+          <a:prstGeom prst="rect">
+            <a:avLst/>
+          </a:prstGeom>
+          <a:noFill/>
+        </p:spPr>
+        <p:txBody>
+          <a:bodyPr wrap="square" rtlCol="0">
+            <a:spAutoFit/>
+          </a:bodyPr>
+          <a:lstStyle/>
+          <a:p>
+            <a:pPr algn="ctr"/>
+            <a:r>
+              <a:rPr lang="zh-CN" altLang="en-US" dirty="0"/>
+              <a:t>编码</a:t>
+            </a:r>
+          </a:p>
+        </p:txBody>
+      </p:sp>
+      <p:sp>
+        <p:nvSpPr>
+          <p:cNvPr id="21" name="左大括号 20">
+            <a:extLst>
+              <a:ext uri="{FF2B5EF4-FFF2-40B4-BE49-F238E27FC236}">
+                <a16:creationId xmlns:a16="http://schemas.microsoft.com/office/drawing/2014/main" id="{0890392A-3F92-BBDF-7295-C99B8812C733}"/>
+              </a:ext>
+            </a:extLst>
+          </p:cNvPr>
+          <p:cNvSpPr/>
+          <p:nvPr/>
+        </p:nvSpPr>
+        <p:spPr>
+          <a:xfrm rot="16200000">
+            <a:off x="8085330" y="4059617"/>
+            <a:ext cx="540000" cy="3497580"/>
+          </a:xfrm>
+          <a:prstGeom prst="leftBrace">
+            <a:avLst/>
+          </a:prstGeom>
+        </p:spPr>
+        <p:style>
+          <a:lnRef idx="2">
+            <a:schemeClr val="accent1"/>
+          </a:lnRef>
+          <a:fillRef idx="0">
+            <a:schemeClr val="accent1"/>
+          </a:fillRef>
+          <a:effectRef idx="1">
+            <a:schemeClr val="accent1"/>
+          </a:effectRef>
+          <a:fontRef idx="minor">
+            <a:schemeClr val="tx1"/>
+          </a:fontRef>
+        </p:style>
+        <p:txBody>
+          <a:bodyPr rtlCol="0" anchor="ctr"/>
+          <a:lstStyle/>
+          <a:p>
+            <a:pPr algn="ctr"/>
+            <a:endParaRPr lang="zh-CN" altLang="en-US"/>
+          </a:p>
+        </p:txBody>
+      </p:sp>
+      <p:sp>
+        <p:nvSpPr>
+          <p:cNvPr id="22" name="文本框 21">
+            <a:extLst>
+              <a:ext uri="{FF2B5EF4-FFF2-40B4-BE49-F238E27FC236}">
+                <a16:creationId xmlns:a16="http://schemas.microsoft.com/office/drawing/2014/main" id="{1E511D0A-9B7B-905D-C3C7-E40F233F3F31}"/>
+              </a:ext>
+            </a:extLst>
+          </p:cNvPr>
+          <p:cNvSpPr txBox="1"/>
+          <p:nvPr/>
+        </p:nvSpPr>
+        <p:spPr>
+          <a:xfrm>
+            <a:off x="7761926" y="6098094"/>
+            <a:ext cx="1186807" cy="369332"/>
+          </a:xfrm>
+          <a:prstGeom prst="rect">
+            <a:avLst/>
+          </a:prstGeom>
+          <a:noFill/>
+        </p:spPr>
+        <p:txBody>
+          <a:bodyPr wrap="square" rtlCol="0">
+            <a:spAutoFit/>
+          </a:bodyPr>
+          <a:lstStyle/>
+          <a:p>
+            <a:pPr algn="ctr"/>
+            <a:r>
+              <a:rPr lang="zh-CN" altLang="en-US" dirty="0"/>
+              <a:t>解码</a:t>
+            </a:r>
+          </a:p>
+        </p:txBody>
+      </p:sp>
+      <mc:AlternateContent xmlns:mc="http://schemas.openxmlformats.org/markup-compatibility/2006">
+        <mc:Choice xmlns:a14="http://schemas.microsoft.com/office/drawing/2010/main" Requires="a14">
+          <p:graphicFrame>
+            <p:nvGraphicFramePr>
+              <p:cNvPr id="25" name="表格 24">
+                <a:extLst>
+                  <a:ext uri="{FF2B5EF4-FFF2-40B4-BE49-F238E27FC236}">
+                    <a16:creationId xmlns:a16="http://schemas.microsoft.com/office/drawing/2014/main" id="{5DD4CFB4-B290-E2C1-2D69-F9CEDAD55E37}"/>
+                  </a:ext>
+                </a:extLst>
+              </p:cNvPr>
+              <p:cNvGraphicFramePr>
+                <a:graphicFrameLocks noGrp="1"/>
+              </p:cNvGraphicFramePr>
+              <p:nvPr>
+                <p:extLst>
+                  <p:ext uri="{D42A27DB-BD31-4B8C-83A1-F6EECF244321}">
+                    <p14:modId xmlns:p14="http://schemas.microsoft.com/office/powerpoint/2010/main" val="3842354764"/>
+                  </p:ext>
+                </p:extLst>
+              </p:nvPr>
+            </p:nvGraphicFramePr>
+            <p:xfrm>
+              <a:off x="2339340" y="198642"/>
+              <a:ext cx="1368000" cy="1368000"/>
+            </p:xfrm>
+            <a:graphic>
+              <a:graphicData uri="http://schemas.openxmlformats.org/drawingml/2006/table">
+                <a:tbl>
+                  <a:tblPr firstRow="1" bandRow="1">
+                    <a:tableStyleId>{5940675A-B579-460E-94D1-54222C63F5DA}</a:tableStyleId>
+                  </a:tblPr>
+                  <a:tblGrid>
+                    <a:gridCol w="456000">
+                      <a:extLst>
+                        <a:ext uri="{9D8B030D-6E8A-4147-A177-3AD203B41FA5}">
+                          <a16:colId xmlns:a16="http://schemas.microsoft.com/office/drawing/2014/main" val="1796421524"/>
+                        </a:ext>
+                      </a:extLst>
+                    </a:gridCol>
+                    <a:gridCol w="456000">
+                      <a:extLst>
+                        <a:ext uri="{9D8B030D-6E8A-4147-A177-3AD203B41FA5}">
+                          <a16:colId xmlns:a16="http://schemas.microsoft.com/office/drawing/2014/main" val="2136238299"/>
+                        </a:ext>
+                      </a:extLst>
+                    </a:gridCol>
+                    <a:gridCol w="456000">
+                      <a:extLst>
+                        <a:ext uri="{9D8B030D-6E8A-4147-A177-3AD203B41FA5}">
+                          <a16:colId xmlns:a16="http://schemas.microsoft.com/office/drawing/2014/main" val="1508315157"/>
+                        </a:ext>
+                      </a:extLst>
+                    </a:gridCol>
+                  </a:tblGrid>
+                  <a:tr h="456000">
+                    <a:tc>
+                      <a:txBody>
+                        <a:bodyPr/>
+                        <a:lstStyle/>
+                        <a:p>
+                          <a14:m>
+                            <m:oMathPara xmlns:m="http://schemas.openxmlformats.org/officeDocument/2006/math">
+                              <m:oMathParaPr>
+                                <m:jc m:val="centerGroup"/>
+                              </m:oMathParaPr>
+                              <m:oMath xmlns:m="http://schemas.openxmlformats.org/officeDocument/2006/math">
+                                <m:sSub>
+                                  <m:sSubPr>
+                                    <m:ctrlPr>
+                                      <a:rPr lang="en-US" altLang="zh-CN" i="1" smtClean="0">
+                                        <a:latin typeface="Cambria Math" panose="02040503050406030204" pitchFamily="18" charset="0"/>
+                                      </a:rPr>
+                                    </m:ctrlPr>
+                                  </m:sSubPr>
+                                  <m:e>
+                                    <m:r>
+                                      <a:rPr lang="en-US" altLang="zh-CN" b="0" i="1" smtClean="0">
+                                        <a:latin typeface="Cambria Math" panose="02040503050406030204" pitchFamily="18" charset="0"/>
+                                      </a:rPr>
+                                      <m:t>𝑤</m:t>
+                                    </m:r>
+                                  </m:e>
+                                  <m:sub>
+                                    <m:r>
+                                      <a:rPr lang="en-US" altLang="zh-CN" b="0" i="1" smtClean="0">
+                                        <a:latin typeface="Cambria Math" panose="02040503050406030204" pitchFamily="18" charset="0"/>
+                                      </a:rPr>
+                                      <m:t>00</m:t>
+                                    </m:r>
+                                  </m:sub>
+                                </m:sSub>
+                              </m:oMath>
+                            </m:oMathPara>
+                          </a14:m>
+                          <a:endParaRPr lang="zh-CN" altLang="en-US" dirty="0"/>
+                        </a:p>
+                      </a:txBody>
+                      <a:tcPr marL="0" marR="0"/>
+                    </a:tc>
+                    <a:tc>
+                      <a:txBody>
+                        <a:bodyPr/>
+                        <a:lstStyle/>
+                        <a:p>
+                          <a:pPr marL="0" marR="0" lvl="0" indent="0" algn="l" defTabSz="914400" rtl="0" eaLnBrk="1" fontAlgn="auto" latinLnBrk="0" hangingPunct="1">
+                            <a:lnSpc>
+                              <a:spcPct val="100000"/>
+                            </a:lnSpc>
+                            <a:spcBef>
+                              <a:spcPts val="0"/>
+                            </a:spcBef>
+                            <a:spcAft>
+                              <a:spcPts val="0"/>
+                            </a:spcAft>
+                            <a:buClrTx/>
+                            <a:buSzTx/>
+                            <a:buFontTx/>
+                            <a:buNone/>
+                            <a:tabLst/>
+                            <a:defRPr/>
+                          </a:pPr>
+                          <a14:m>
+                            <m:oMathPara xmlns:m="http://schemas.openxmlformats.org/officeDocument/2006/math">
+                              <m:oMathParaPr>
+                                <m:jc m:val="centerGroup"/>
+                              </m:oMathParaPr>
+                              <m:oMath xmlns:m="http://schemas.openxmlformats.org/officeDocument/2006/math">
+                                <m:sSub>
+                                  <m:sSubPr>
+                                    <m:ctrlPr>
+                                      <a:rPr lang="en-US" altLang="zh-CN" i="1" smtClean="0">
+                                        <a:latin typeface="Cambria Math" panose="02040503050406030204" pitchFamily="18" charset="0"/>
+                                      </a:rPr>
+                                    </m:ctrlPr>
+                                  </m:sSubPr>
+                                  <m:e>
+                                    <m:r>
+                                      <a:rPr lang="en-US" altLang="zh-CN" b="0" i="1" smtClean="0">
+                                        <a:latin typeface="Cambria Math" panose="02040503050406030204" pitchFamily="18" charset="0"/>
+                                      </a:rPr>
+                                      <m:t>𝑤</m:t>
+                                    </m:r>
+                                  </m:e>
+                                  <m:sub>
+                                    <m:r>
+                                      <a:rPr lang="en-US" altLang="zh-CN" b="0" i="1" smtClean="0">
+                                        <a:latin typeface="Cambria Math" panose="02040503050406030204" pitchFamily="18" charset="0"/>
+                                      </a:rPr>
+                                      <m:t>0</m:t>
+                                    </m:r>
+                                    <m:r>
+                                      <a:rPr lang="en-US" altLang="zh-CN" b="0" i="1" smtClean="0">
+                                        <a:latin typeface="Cambria Math" panose="02040503050406030204" pitchFamily="18" charset="0"/>
+                                      </a:rPr>
+                                      <m:t>1</m:t>
+                                    </m:r>
+                                  </m:sub>
+                                </m:sSub>
+                              </m:oMath>
+                            </m:oMathPara>
+                          </a14:m>
+                          <a:endParaRPr lang="zh-CN" altLang="en-US" dirty="0"/>
+                        </a:p>
+                      </a:txBody>
+                      <a:tcPr marL="0" marR="0"/>
+                    </a:tc>
+                    <a:tc>
+                      <a:txBody>
+                        <a:bodyPr/>
+                        <a:lstStyle/>
+                        <a:p>
+                          <a:pPr marL="0" marR="0" lvl="0" indent="0" algn="l" defTabSz="914400" rtl="0" eaLnBrk="1" fontAlgn="auto" latinLnBrk="0" hangingPunct="1">
+                            <a:lnSpc>
+                              <a:spcPct val="100000"/>
+                            </a:lnSpc>
+                            <a:spcBef>
+                              <a:spcPts val="0"/>
+                            </a:spcBef>
+                            <a:spcAft>
+                              <a:spcPts val="0"/>
+                            </a:spcAft>
+                            <a:buClrTx/>
+                            <a:buSzTx/>
+                            <a:buFontTx/>
+                            <a:buNone/>
+                            <a:tabLst/>
+                            <a:defRPr/>
+                          </a:pPr>
+                          <a14:m>
+                            <m:oMathPara xmlns:m="http://schemas.openxmlformats.org/officeDocument/2006/math">
+                              <m:oMathParaPr>
+                                <m:jc m:val="centerGroup"/>
+                              </m:oMathParaPr>
+                              <m:oMath xmlns:m="http://schemas.openxmlformats.org/officeDocument/2006/math">
+                                <m:sSub>
+                                  <m:sSubPr>
+                                    <m:ctrlPr>
+                                      <a:rPr lang="en-US" altLang="zh-CN" i="1" smtClean="0">
+                                        <a:latin typeface="Cambria Math" panose="02040503050406030204" pitchFamily="18" charset="0"/>
+                                      </a:rPr>
+                                    </m:ctrlPr>
+                                  </m:sSubPr>
+                                  <m:e>
+                                    <m:r>
+                                      <a:rPr lang="en-US" altLang="zh-CN" b="0" i="1" smtClean="0">
+                                        <a:latin typeface="Cambria Math" panose="02040503050406030204" pitchFamily="18" charset="0"/>
+                                      </a:rPr>
+                                      <m:t>𝑤</m:t>
+                                    </m:r>
+                                  </m:e>
+                                  <m:sub>
+                                    <m:r>
+                                      <a:rPr lang="en-US" altLang="zh-CN" b="0" i="1" smtClean="0">
+                                        <a:latin typeface="Cambria Math" panose="02040503050406030204" pitchFamily="18" charset="0"/>
+                                      </a:rPr>
+                                      <m:t>0</m:t>
+                                    </m:r>
+                                    <m:r>
+                                      <a:rPr lang="en-US" altLang="zh-CN" b="0" i="1" smtClean="0">
+                                        <a:latin typeface="Cambria Math" panose="02040503050406030204" pitchFamily="18" charset="0"/>
+                                      </a:rPr>
+                                      <m:t>2</m:t>
+                                    </m:r>
+                                  </m:sub>
+                                </m:sSub>
+                              </m:oMath>
+                            </m:oMathPara>
+                          </a14:m>
+                          <a:endParaRPr lang="zh-CN" altLang="en-US" dirty="0"/>
+                        </a:p>
+                      </a:txBody>
+                      <a:tcPr marL="0" marR="0"/>
+                    </a:tc>
+                    <a:extLst>
+                      <a:ext uri="{0D108BD9-81ED-4DB2-BD59-A6C34878D82A}">
+                        <a16:rowId xmlns:a16="http://schemas.microsoft.com/office/drawing/2014/main" val="2118722787"/>
+                      </a:ext>
+                    </a:extLst>
+                  </a:tr>
+                  <a:tr h="456000">
+                    <a:tc>
+                      <a:txBody>
+                        <a:bodyPr/>
+                        <a:lstStyle/>
+                        <a:p>
+                          <a:pPr marL="0" marR="0" lvl="0" indent="0" algn="l" defTabSz="914400" rtl="0" eaLnBrk="1" fontAlgn="auto" latinLnBrk="0" hangingPunct="1">
+                            <a:lnSpc>
+                              <a:spcPct val="100000"/>
+                            </a:lnSpc>
+                            <a:spcBef>
+                              <a:spcPts val="0"/>
+                            </a:spcBef>
+                            <a:spcAft>
+                              <a:spcPts val="0"/>
+                            </a:spcAft>
+                            <a:buClrTx/>
+                            <a:buSzTx/>
+                            <a:buFontTx/>
+                            <a:buNone/>
+                            <a:tabLst/>
+                            <a:defRPr/>
+                          </a:pPr>
+                          <a14:m>
+                            <m:oMathPara xmlns:m="http://schemas.openxmlformats.org/officeDocument/2006/math">
+                              <m:oMathParaPr>
+                                <m:jc m:val="centerGroup"/>
+                              </m:oMathParaPr>
+                              <m:oMath xmlns:m="http://schemas.openxmlformats.org/officeDocument/2006/math">
+                                <m:sSub>
+                                  <m:sSubPr>
+                                    <m:ctrlPr>
+                                      <a:rPr lang="en-US" altLang="zh-CN" i="1" smtClean="0">
+                                        <a:latin typeface="Cambria Math" panose="02040503050406030204" pitchFamily="18" charset="0"/>
+                                      </a:rPr>
+                                    </m:ctrlPr>
+                                  </m:sSubPr>
+                                  <m:e>
+                                    <m:r>
+                                      <a:rPr lang="en-US" altLang="zh-CN" b="0" i="1" smtClean="0">
+                                        <a:latin typeface="Cambria Math" panose="02040503050406030204" pitchFamily="18" charset="0"/>
+                                      </a:rPr>
+                                      <m:t>𝑤</m:t>
+                                    </m:r>
+                                  </m:e>
+                                  <m:sub>
+                                    <m:r>
+                                      <a:rPr lang="en-US" altLang="zh-CN" b="0" i="1" smtClean="0">
+                                        <a:latin typeface="Cambria Math" panose="02040503050406030204" pitchFamily="18" charset="0"/>
+                                      </a:rPr>
+                                      <m:t>1</m:t>
+                                    </m:r>
+                                    <m:r>
+                                      <a:rPr lang="en-US" altLang="zh-CN" b="0" i="1" smtClean="0">
+                                        <a:latin typeface="Cambria Math" panose="02040503050406030204" pitchFamily="18" charset="0"/>
+                                      </a:rPr>
+                                      <m:t>0</m:t>
+                                    </m:r>
+                                  </m:sub>
+                                </m:sSub>
+                              </m:oMath>
+                            </m:oMathPara>
+                          </a14:m>
+                          <a:endParaRPr lang="zh-CN" altLang="en-US" dirty="0"/>
+                        </a:p>
+                      </a:txBody>
+                      <a:tcPr marL="0" marR="0"/>
+                    </a:tc>
+                    <a:tc>
+                      <a:txBody>
+                        <a:bodyPr/>
+                        <a:lstStyle/>
+                        <a:p>
+                          <a:pPr marL="0" marR="0" lvl="0" indent="0" algn="l" defTabSz="914400" rtl="0" eaLnBrk="1" fontAlgn="auto" latinLnBrk="0" hangingPunct="1">
+                            <a:lnSpc>
+                              <a:spcPct val="100000"/>
+                            </a:lnSpc>
+                            <a:spcBef>
+                              <a:spcPts val="0"/>
+                            </a:spcBef>
+                            <a:spcAft>
+                              <a:spcPts val="0"/>
+                            </a:spcAft>
+                            <a:buClrTx/>
+                            <a:buSzTx/>
+                            <a:buFontTx/>
+                            <a:buNone/>
+                            <a:tabLst/>
+                            <a:defRPr/>
+                          </a:pPr>
+                          <a14:m>
+                            <m:oMathPara xmlns:m="http://schemas.openxmlformats.org/officeDocument/2006/math">
+                              <m:oMathParaPr>
+                                <m:jc m:val="centerGroup"/>
+                              </m:oMathParaPr>
+                              <m:oMath xmlns:m="http://schemas.openxmlformats.org/officeDocument/2006/math">
+                                <m:sSub>
+                                  <m:sSubPr>
+                                    <m:ctrlPr>
+                                      <a:rPr lang="en-US" altLang="zh-CN" i="1" smtClean="0">
+                                        <a:latin typeface="Cambria Math" panose="02040503050406030204" pitchFamily="18" charset="0"/>
+                                      </a:rPr>
+                                    </m:ctrlPr>
+                                  </m:sSubPr>
+                                  <m:e>
+                                    <m:r>
+                                      <a:rPr lang="en-US" altLang="zh-CN" b="0" i="1" smtClean="0">
+                                        <a:latin typeface="Cambria Math" panose="02040503050406030204" pitchFamily="18" charset="0"/>
+                                      </a:rPr>
+                                      <m:t>𝑤</m:t>
+                                    </m:r>
+                                  </m:e>
+                                  <m:sub>
+                                    <m:r>
+                                      <a:rPr lang="en-US" altLang="zh-CN" b="0" i="1" smtClean="0">
+                                        <a:latin typeface="Cambria Math" panose="02040503050406030204" pitchFamily="18" charset="0"/>
+                                      </a:rPr>
+                                      <m:t>11</m:t>
+                                    </m:r>
+                                  </m:sub>
+                                </m:sSub>
+                              </m:oMath>
+                            </m:oMathPara>
+                          </a14:m>
+                          <a:endParaRPr lang="zh-CN" altLang="en-US" dirty="0"/>
+                        </a:p>
+                      </a:txBody>
+                      <a:tcPr marL="0" marR="0"/>
+                    </a:tc>
+                    <a:tc>
+                      <a:txBody>
+                        <a:bodyPr/>
+                        <a:lstStyle/>
+                        <a:p>
+                          <a:pPr marL="0" marR="0" lvl="0" indent="0" algn="l" defTabSz="914400" rtl="0" eaLnBrk="1" fontAlgn="auto" latinLnBrk="0" hangingPunct="1">
+                            <a:lnSpc>
+                              <a:spcPct val="100000"/>
+                            </a:lnSpc>
+                            <a:spcBef>
+                              <a:spcPts val="0"/>
+                            </a:spcBef>
+                            <a:spcAft>
+                              <a:spcPts val="0"/>
+                            </a:spcAft>
+                            <a:buClrTx/>
+                            <a:buSzTx/>
+                            <a:buFontTx/>
+                            <a:buNone/>
+                            <a:tabLst/>
+                            <a:defRPr/>
+                          </a:pPr>
+                          <a14:m>
+                            <m:oMathPara xmlns:m="http://schemas.openxmlformats.org/officeDocument/2006/math">
+                              <m:oMathParaPr>
+                                <m:jc m:val="centerGroup"/>
+                              </m:oMathParaPr>
+                              <m:oMath xmlns:m="http://schemas.openxmlformats.org/officeDocument/2006/math">
+                                <m:sSub>
+                                  <m:sSubPr>
+                                    <m:ctrlPr>
+                                      <a:rPr lang="en-US" altLang="zh-CN" i="1" smtClean="0">
+                                        <a:latin typeface="Cambria Math" panose="02040503050406030204" pitchFamily="18" charset="0"/>
+                                      </a:rPr>
+                                    </m:ctrlPr>
+                                  </m:sSubPr>
+                                  <m:e>
+                                    <m:r>
+                                      <a:rPr lang="en-US" altLang="zh-CN" b="0" i="1" smtClean="0">
+                                        <a:latin typeface="Cambria Math" panose="02040503050406030204" pitchFamily="18" charset="0"/>
+                                      </a:rPr>
+                                      <m:t>𝑤</m:t>
+                                    </m:r>
+                                  </m:e>
+                                  <m:sub>
+                                    <m:r>
+                                      <a:rPr lang="en-US" altLang="zh-CN" b="0" i="1" smtClean="0">
+                                        <a:latin typeface="Cambria Math" panose="02040503050406030204" pitchFamily="18" charset="0"/>
+                                      </a:rPr>
+                                      <m:t>12</m:t>
+                                    </m:r>
+                                  </m:sub>
+                                </m:sSub>
+                              </m:oMath>
+                            </m:oMathPara>
+                          </a14:m>
+                          <a:endParaRPr lang="zh-CN" altLang="en-US" dirty="0"/>
+                        </a:p>
+                      </a:txBody>
+                      <a:tcPr marL="0" marR="0"/>
+                    </a:tc>
+                    <a:extLst>
+                      <a:ext uri="{0D108BD9-81ED-4DB2-BD59-A6C34878D82A}">
+                        <a16:rowId xmlns:a16="http://schemas.microsoft.com/office/drawing/2014/main" val="3577829812"/>
+                      </a:ext>
+                    </a:extLst>
+                  </a:tr>
+                  <a:tr h="456000">
+                    <a:tc>
+                      <a:txBody>
+                        <a:bodyPr/>
+                        <a:lstStyle/>
+                        <a:p>
+                          <a:pPr marL="0" marR="0" lvl="0" indent="0" algn="l" defTabSz="914400" rtl="0" eaLnBrk="1" fontAlgn="auto" latinLnBrk="0" hangingPunct="1">
+                            <a:lnSpc>
+                              <a:spcPct val="100000"/>
+                            </a:lnSpc>
+                            <a:spcBef>
+                              <a:spcPts val="0"/>
+                            </a:spcBef>
+                            <a:spcAft>
+                              <a:spcPts val="0"/>
+                            </a:spcAft>
+                            <a:buClrTx/>
+                            <a:buSzTx/>
+                            <a:buFontTx/>
+                            <a:buNone/>
+                            <a:tabLst/>
+                            <a:defRPr/>
+                          </a:pPr>
+                          <a14:m>
+                            <m:oMathPara xmlns:m="http://schemas.openxmlformats.org/officeDocument/2006/math">
+                              <m:oMathParaPr>
+                                <m:jc m:val="centerGroup"/>
+                              </m:oMathParaPr>
+                              <m:oMath xmlns:m="http://schemas.openxmlformats.org/officeDocument/2006/math">
+                                <m:sSub>
+                                  <m:sSubPr>
+                                    <m:ctrlPr>
+                                      <a:rPr lang="en-US" altLang="zh-CN" i="1" smtClean="0">
+                                        <a:latin typeface="Cambria Math" panose="02040503050406030204" pitchFamily="18" charset="0"/>
+                                      </a:rPr>
+                                    </m:ctrlPr>
+                                  </m:sSubPr>
+                                  <m:e>
+                                    <m:r>
+                                      <a:rPr lang="en-US" altLang="zh-CN" b="0" i="1" smtClean="0">
+                                        <a:latin typeface="Cambria Math" panose="02040503050406030204" pitchFamily="18" charset="0"/>
+                                      </a:rPr>
+                                      <m:t>𝑤</m:t>
+                                    </m:r>
+                                  </m:e>
+                                  <m:sub>
+                                    <m:r>
+                                      <a:rPr lang="en-US" altLang="zh-CN" b="0" i="1" smtClean="0">
+                                        <a:latin typeface="Cambria Math" panose="02040503050406030204" pitchFamily="18" charset="0"/>
+                                      </a:rPr>
+                                      <m:t>2</m:t>
+                                    </m:r>
+                                    <m:r>
+                                      <a:rPr lang="en-US" altLang="zh-CN" b="0" i="1" smtClean="0">
+                                        <a:latin typeface="Cambria Math" panose="02040503050406030204" pitchFamily="18" charset="0"/>
+                                      </a:rPr>
+                                      <m:t>0</m:t>
+                                    </m:r>
+                                  </m:sub>
+                                </m:sSub>
+                              </m:oMath>
+                            </m:oMathPara>
+                          </a14:m>
+                          <a:endParaRPr lang="zh-CN" altLang="en-US" dirty="0"/>
+                        </a:p>
+                      </a:txBody>
+                      <a:tcPr marL="0" marR="0"/>
+                    </a:tc>
+                    <a:tc>
+                      <a:txBody>
+                        <a:bodyPr/>
+                        <a:lstStyle/>
+                        <a:p>
+                          <a:pPr marL="0" marR="0" lvl="0" indent="0" algn="l" defTabSz="914400" rtl="0" eaLnBrk="1" fontAlgn="auto" latinLnBrk="0" hangingPunct="1">
+                            <a:lnSpc>
+                              <a:spcPct val="100000"/>
+                            </a:lnSpc>
+                            <a:spcBef>
+                              <a:spcPts val="0"/>
+                            </a:spcBef>
+                            <a:spcAft>
+                              <a:spcPts val="0"/>
+                            </a:spcAft>
+                            <a:buClrTx/>
+                            <a:buSzTx/>
+                            <a:buFontTx/>
+                            <a:buNone/>
+                            <a:tabLst/>
+                            <a:defRPr/>
+                          </a:pPr>
+                          <a14:m>
+                            <m:oMathPara xmlns:m="http://schemas.openxmlformats.org/officeDocument/2006/math">
+                              <m:oMathParaPr>
+                                <m:jc m:val="centerGroup"/>
+                              </m:oMathParaPr>
+                              <m:oMath xmlns:m="http://schemas.openxmlformats.org/officeDocument/2006/math">
+                                <m:sSub>
+                                  <m:sSubPr>
+                                    <m:ctrlPr>
+                                      <a:rPr lang="en-US" altLang="zh-CN" i="1" smtClean="0">
+                                        <a:latin typeface="Cambria Math" panose="02040503050406030204" pitchFamily="18" charset="0"/>
+                                      </a:rPr>
+                                    </m:ctrlPr>
+                                  </m:sSubPr>
+                                  <m:e>
+                                    <m:r>
+                                      <a:rPr lang="en-US" altLang="zh-CN" b="0" i="1" smtClean="0">
+                                        <a:latin typeface="Cambria Math" panose="02040503050406030204" pitchFamily="18" charset="0"/>
+                                      </a:rPr>
+                                      <m:t>𝑤</m:t>
+                                    </m:r>
+                                  </m:e>
+                                  <m:sub>
+                                    <m:r>
+                                      <a:rPr lang="en-US" altLang="zh-CN" b="0" i="1" smtClean="0">
+                                        <a:latin typeface="Cambria Math" panose="02040503050406030204" pitchFamily="18" charset="0"/>
+                                      </a:rPr>
+                                      <m:t>21</m:t>
+                                    </m:r>
+                                  </m:sub>
+                                </m:sSub>
+                              </m:oMath>
+                            </m:oMathPara>
+                          </a14:m>
+                          <a:endParaRPr lang="zh-CN" altLang="en-US" dirty="0"/>
+                        </a:p>
+                      </a:txBody>
+                      <a:tcPr marL="0" marR="0"/>
+                    </a:tc>
+                    <a:tc>
+                      <a:txBody>
+                        <a:bodyPr/>
+                        <a:lstStyle/>
+                        <a:p>
+                          <a:pPr marL="0" marR="0" lvl="0" indent="0" algn="l" defTabSz="914400" rtl="0" eaLnBrk="1" fontAlgn="auto" latinLnBrk="0" hangingPunct="1">
+                            <a:lnSpc>
+                              <a:spcPct val="100000"/>
+                            </a:lnSpc>
+                            <a:spcBef>
+                              <a:spcPts val="0"/>
+                            </a:spcBef>
+                            <a:spcAft>
+                              <a:spcPts val="0"/>
+                            </a:spcAft>
+                            <a:buClrTx/>
+                            <a:buSzTx/>
+                            <a:buFontTx/>
+                            <a:buNone/>
+                            <a:tabLst/>
+                            <a:defRPr/>
+                          </a:pPr>
+                          <a14:m>
+                            <m:oMathPara xmlns:m="http://schemas.openxmlformats.org/officeDocument/2006/math">
+                              <m:oMathParaPr>
+                                <m:jc m:val="centerGroup"/>
+                              </m:oMathParaPr>
+                              <m:oMath xmlns:m="http://schemas.openxmlformats.org/officeDocument/2006/math">
+                                <m:sSub>
+                                  <m:sSubPr>
+                                    <m:ctrlPr>
+                                      <a:rPr lang="en-US" altLang="zh-CN" i="1" smtClean="0">
+                                        <a:latin typeface="Cambria Math" panose="02040503050406030204" pitchFamily="18" charset="0"/>
+                                      </a:rPr>
+                                    </m:ctrlPr>
+                                  </m:sSubPr>
+                                  <m:e>
+                                    <m:r>
+                                      <a:rPr lang="en-US" altLang="zh-CN" b="0" i="1" smtClean="0">
+                                        <a:latin typeface="Cambria Math" panose="02040503050406030204" pitchFamily="18" charset="0"/>
+                                      </a:rPr>
+                                      <m:t>𝑤</m:t>
+                                    </m:r>
+                                  </m:e>
+                                  <m:sub>
+                                    <m:r>
+                                      <a:rPr lang="en-US" altLang="zh-CN" b="0" i="1" smtClean="0">
+                                        <a:latin typeface="Cambria Math" panose="02040503050406030204" pitchFamily="18" charset="0"/>
+                                      </a:rPr>
+                                      <m:t>22</m:t>
+                                    </m:r>
+                                  </m:sub>
+                                </m:sSub>
+                              </m:oMath>
+                            </m:oMathPara>
+                          </a14:m>
+                          <a:endParaRPr lang="zh-CN" altLang="en-US" dirty="0"/>
+                        </a:p>
+                      </a:txBody>
+                      <a:tcPr marL="0" marR="0"/>
+                    </a:tc>
+                    <a:extLst>
+                      <a:ext uri="{0D108BD9-81ED-4DB2-BD59-A6C34878D82A}">
+                        <a16:rowId xmlns:a16="http://schemas.microsoft.com/office/drawing/2014/main" val="407553255"/>
+                      </a:ext>
+                    </a:extLst>
+                  </a:tr>
+                </a:tbl>
+              </a:graphicData>
+            </a:graphic>
+          </p:graphicFrame>
+        </mc:Choice>
+        <mc:Fallback>
+          <p:graphicFrame>
+            <p:nvGraphicFramePr>
+              <p:cNvPr id="25" name="表格 24">
+                <a:extLst>
+                  <a:ext uri="{FF2B5EF4-FFF2-40B4-BE49-F238E27FC236}">
+                    <a16:creationId xmlns:a16="http://schemas.microsoft.com/office/drawing/2014/main" id="{5DD4CFB4-B290-E2C1-2D69-F9CEDAD55E37}"/>
+                  </a:ext>
+                </a:extLst>
+              </p:cNvPr>
+              <p:cNvGraphicFramePr>
+                <a:graphicFrameLocks noGrp="1"/>
+              </p:cNvGraphicFramePr>
+              <p:nvPr>
+                <p:extLst>
+                  <p:ext uri="{D42A27DB-BD31-4B8C-83A1-F6EECF244321}">
+                    <p14:modId xmlns:p14="http://schemas.microsoft.com/office/powerpoint/2010/main" val="3842354764"/>
+                  </p:ext>
+                </p:extLst>
+              </p:nvPr>
+            </p:nvGraphicFramePr>
+            <p:xfrm>
+              <a:off x="2339340" y="198642"/>
+              <a:ext cx="1368000" cy="1368000"/>
+            </p:xfrm>
+            <a:graphic>
+              <a:graphicData uri="http://schemas.openxmlformats.org/drawingml/2006/table">
+                <a:tbl>
+                  <a:tblPr firstRow="1" bandRow="1">
+                    <a:tableStyleId>{5940675A-B579-460E-94D1-54222C63F5DA}</a:tableStyleId>
+                  </a:tblPr>
+                  <a:tblGrid>
+                    <a:gridCol w="456000">
+                      <a:extLst>
+                        <a:ext uri="{9D8B030D-6E8A-4147-A177-3AD203B41FA5}">
+                          <a16:colId xmlns:a16="http://schemas.microsoft.com/office/drawing/2014/main" val="1796421524"/>
+                        </a:ext>
+                      </a:extLst>
+                    </a:gridCol>
+                    <a:gridCol w="456000">
+                      <a:extLst>
+                        <a:ext uri="{9D8B030D-6E8A-4147-A177-3AD203B41FA5}">
+                          <a16:colId xmlns:a16="http://schemas.microsoft.com/office/drawing/2014/main" val="2136238299"/>
+                        </a:ext>
+                      </a:extLst>
+                    </a:gridCol>
+                    <a:gridCol w="456000">
+                      <a:extLst>
+                        <a:ext uri="{9D8B030D-6E8A-4147-A177-3AD203B41FA5}">
+                          <a16:colId xmlns:a16="http://schemas.microsoft.com/office/drawing/2014/main" val="1508315157"/>
+                        </a:ext>
+                      </a:extLst>
+                    </a:gridCol>
+                  </a:tblGrid>
+                  <a:tr h="456000">
+                    <a:tc>
+                      <a:txBody>
+                        <a:bodyPr/>
+                        <a:lstStyle/>
+                        <a:p>
+                          <a:endParaRPr lang="zh-CN"/>
+                        </a:p>
+                      </a:txBody>
+                      <a:tcPr marL="0" marR="0">
+                        <a:blipFill>
+                          <a:blip r:embed="rId4"/>
+                          <a:stretch>
+                            <a:fillRect l="-1333" t="-1333" r="-204000" b="-204000"/>
+                          </a:stretch>
+                        </a:blipFill>
+                      </a:tcPr>
+                    </a:tc>
+                    <a:tc>
+                      <a:txBody>
+                        <a:bodyPr/>
+                        <a:lstStyle/>
+                        <a:p>
+                          <a:endParaRPr lang="zh-CN"/>
+                        </a:p>
+                      </a:txBody>
+                      <a:tcPr marL="0" marR="0">
+                        <a:blipFill>
+                          <a:blip r:embed="rId4"/>
+                          <a:stretch>
+                            <a:fillRect l="-100000" t="-1333" r="-101316" b="-204000"/>
+                          </a:stretch>
+                        </a:blipFill>
+                      </a:tcPr>
+                    </a:tc>
+                    <a:tc>
+                      <a:txBody>
+                        <a:bodyPr/>
+                        <a:lstStyle/>
+                        <a:p>
+                          <a:endParaRPr lang="zh-CN"/>
+                        </a:p>
+                      </a:txBody>
+                      <a:tcPr marL="0" marR="0">
+                        <a:blipFill>
+                          <a:blip r:embed="rId4"/>
+                          <a:stretch>
+                            <a:fillRect l="-202667" t="-1333" r="-2667" b="-204000"/>
+                          </a:stretch>
+                        </a:blipFill>
+                      </a:tcPr>
+                    </a:tc>
+                    <a:extLst>
+                      <a:ext uri="{0D108BD9-81ED-4DB2-BD59-A6C34878D82A}">
+                        <a16:rowId xmlns:a16="http://schemas.microsoft.com/office/drawing/2014/main" val="2118722787"/>
+                      </a:ext>
+                    </a:extLst>
+                  </a:tr>
+                  <a:tr h="456000">
+                    <a:tc>
+                      <a:txBody>
+                        <a:bodyPr/>
+                        <a:lstStyle/>
+                        <a:p>
+                          <a:endParaRPr lang="zh-CN"/>
+                        </a:p>
+                      </a:txBody>
+                      <a:tcPr marL="0" marR="0">
+                        <a:blipFill>
+                          <a:blip r:embed="rId4"/>
+                          <a:stretch>
+                            <a:fillRect l="-1333" t="-101333" r="-204000" b="-104000"/>
+                          </a:stretch>
+                        </a:blipFill>
+                      </a:tcPr>
+                    </a:tc>
+                    <a:tc>
+                      <a:txBody>
+                        <a:bodyPr/>
+                        <a:lstStyle/>
+                        <a:p>
+                          <a:endParaRPr lang="zh-CN"/>
+                        </a:p>
+                      </a:txBody>
+                      <a:tcPr marL="0" marR="0">
+                        <a:blipFill>
+                          <a:blip r:embed="rId4"/>
+                          <a:stretch>
+                            <a:fillRect l="-100000" t="-101333" r="-101316" b="-104000"/>
+                          </a:stretch>
+                        </a:blipFill>
+                      </a:tcPr>
+                    </a:tc>
+                    <a:tc>
+                      <a:txBody>
+                        <a:bodyPr/>
+                        <a:lstStyle/>
+                        <a:p>
+                          <a:endParaRPr lang="zh-CN"/>
+                        </a:p>
+                      </a:txBody>
+                      <a:tcPr marL="0" marR="0">
+                        <a:blipFill>
+                          <a:blip r:embed="rId4"/>
+                          <a:stretch>
+                            <a:fillRect l="-202667" t="-101333" r="-2667" b="-104000"/>
+                          </a:stretch>
+                        </a:blipFill>
+                      </a:tcPr>
+                    </a:tc>
+                    <a:extLst>
+                      <a:ext uri="{0D108BD9-81ED-4DB2-BD59-A6C34878D82A}">
+                        <a16:rowId xmlns:a16="http://schemas.microsoft.com/office/drawing/2014/main" val="3577829812"/>
+                      </a:ext>
+                    </a:extLst>
+                  </a:tr>
+                  <a:tr h="456000">
+                    <a:tc>
+                      <a:txBody>
+                        <a:bodyPr/>
+                        <a:lstStyle/>
+                        <a:p>
+                          <a:endParaRPr lang="zh-CN"/>
+                        </a:p>
+                      </a:txBody>
+                      <a:tcPr marL="0" marR="0">
+                        <a:blipFill>
+                          <a:blip r:embed="rId4"/>
+                          <a:stretch>
+                            <a:fillRect l="-1333" t="-201333" r="-204000" b="-4000"/>
+                          </a:stretch>
+                        </a:blipFill>
+                      </a:tcPr>
+                    </a:tc>
+                    <a:tc>
+                      <a:txBody>
+                        <a:bodyPr/>
+                        <a:lstStyle/>
+                        <a:p>
+                          <a:endParaRPr lang="zh-CN"/>
+                        </a:p>
+                      </a:txBody>
+                      <a:tcPr marL="0" marR="0">
+                        <a:blipFill>
+                          <a:blip r:embed="rId4"/>
+                          <a:stretch>
+                            <a:fillRect l="-100000" t="-201333" r="-101316" b="-4000"/>
+                          </a:stretch>
+                        </a:blipFill>
+                      </a:tcPr>
+                    </a:tc>
+                    <a:tc>
+                      <a:txBody>
+                        <a:bodyPr/>
+                        <a:lstStyle/>
+                        <a:p>
+                          <a:endParaRPr lang="zh-CN"/>
+                        </a:p>
+                      </a:txBody>
+                      <a:tcPr marL="0" marR="0">
+                        <a:blipFill>
+                          <a:blip r:embed="rId4"/>
+                          <a:stretch>
+                            <a:fillRect l="-202667" t="-201333" r="-2667" b="-4000"/>
+                          </a:stretch>
+                        </a:blipFill>
+                      </a:tcPr>
+                    </a:tc>
+                    <a:extLst>
+                      <a:ext uri="{0D108BD9-81ED-4DB2-BD59-A6C34878D82A}">
+                        <a16:rowId xmlns:a16="http://schemas.microsoft.com/office/drawing/2014/main" val="407553255"/>
+                      </a:ext>
+                    </a:extLst>
+                  </a:tr>
+                </a:tbl>
+              </a:graphicData>
+            </a:graphic>
+          </p:graphicFrame>
+        </mc:Fallback>
+      </mc:AlternateContent>
+      <p:sp>
+        <p:nvSpPr>
+          <p:cNvPr id="27" name="文本框 26">
+            <a:extLst>
+              <a:ext uri="{FF2B5EF4-FFF2-40B4-BE49-F238E27FC236}">
+                <a16:creationId xmlns:a16="http://schemas.microsoft.com/office/drawing/2014/main" id="{37324DAE-E027-9D7E-E36A-A14AA40C7E15}"/>
+              </a:ext>
+            </a:extLst>
+          </p:cNvPr>
+          <p:cNvSpPr txBox="1"/>
+          <p:nvPr/>
+        </p:nvSpPr>
+        <p:spPr>
+          <a:xfrm>
+            <a:off x="1048695" y="647179"/>
+            <a:ext cx="1404000" cy="369332"/>
+          </a:xfrm>
+          <a:prstGeom prst="rect">
+            <a:avLst/>
+          </a:prstGeom>
+          <a:noFill/>
+        </p:spPr>
+        <p:txBody>
+          <a:bodyPr wrap="square" rtlCol="0">
+            <a:spAutoFit/>
+          </a:bodyPr>
+          <a:lstStyle/>
+          <a:p>
+            <a:pPr algn="ctr"/>
+            <a:r>
+              <a:rPr lang="zh-CN" altLang="en-US" dirty="0"/>
+              <a:t>卷积核</a:t>
+            </a:r>
+          </a:p>
+        </p:txBody>
+      </p:sp>
     </p:spTree>
     <p:extLst>
       <p:ext uri="{BB962C8B-B14F-4D97-AF65-F5344CB8AC3E}">
         <p14:creationId xmlns:p14="http://schemas.microsoft.com/office/powerpoint/2010/main" val="2461575102"/>
+      </p:ext>
+    </p:extLst>
+  </p:cSld>
+  <p:clrMapOvr>
+    <a:masterClrMapping/>
+  </p:clrMapOvr>
+</p:sld>
+</file>
+
+<file path=ppt/slides/slide4.xml><?xml version="1.0" encoding="utf-8"?>
+<p:sld xmlns:a="http://schemas.openxmlformats.org/drawingml/2006/main" xmlns:r="http://schemas.openxmlformats.org/officeDocument/2006/relationships" xmlns:p="http://schemas.openxmlformats.org/presentationml/2006/main">
+  <p:cSld>
+    <p:spTree>
+      <p:nvGrpSpPr>
+        <p:cNvPr id="1" name=""/>
+        <p:cNvGrpSpPr/>
+        <p:nvPr/>
+      </p:nvGrpSpPr>
+      <p:grpSpPr>
+        <a:xfrm>
+          <a:off x="0" y="0"/>
+          <a:ext cx="0" cy="0"/>
+          <a:chOff x="0" y="0"/>
+          <a:chExt cx="0" cy="0"/>
+        </a:xfrm>
+      </p:grpSpPr>
+      <p:sp>
+        <p:nvSpPr>
+          <p:cNvPr id="2" name="标题 1">
+            <a:extLst>
+              <a:ext uri="{FF2B5EF4-FFF2-40B4-BE49-F238E27FC236}">
+                <a16:creationId xmlns:a16="http://schemas.microsoft.com/office/drawing/2014/main" id="{6CE78B3B-6189-A571-D6AD-8C52C2CD3A83}"/>
+              </a:ext>
+            </a:extLst>
+          </p:cNvPr>
+          <p:cNvSpPr>
+            <a:spLocks noGrp="1"/>
+          </p:cNvSpPr>
+          <p:nvPr>
+            <p:ph type="title"/>
+          </p:nvPr>
+        </p:nvSpPr>
+        <p:spPr>
+          <a:xfrm>
+            <a:off x="838200" y="18255"/>
+            <a:ext cx="10515600" cy="1325563"/>
+          </a:xfrm>
+        </p:spPr>
+        <p:txBody>
+          <a:bodyPr/>
+          <a:lstStyle/>
+          <a:p>
+            <a:r>
+              <a:rPr lang="en-US" altLang="zh-CN" dirty="0" err="1"/>
+              <a:t>PyTorch</a:t>
+            </a:r>
+            <a:endParaRPr lang="zh-CN" altLang="en-US" dirty="0"/>
+          </a:p>
+        </p:txBody>
+      </p:sp>
+      <p:sp>
+        <p:nvSpPr>
+          <p:cNvPr id="4" name="矩形 3">
+            <a:extLst>
+              <a:ext uri="{FF2B5EF4-FFF2-40B4-BE49-F238E27FC236}">
+                <a16:creationId xmlns:a16="http://schemas.microsoft.com/office/drawing/2014/main" id="{78E53F22-5B69-5DEC-1B51-BAE5EABAFAD6}"/>
+              </a:ext>
+            </a:extLst>
+          </p:cNvPr>
+          <p:cNvSpPr/>
+          <p:nvPr/>
+        </p:nvSpPr>
+        <p:spPr>
+          <a:xfrm>
+            <a:off x="1619250" y="1704975"/>
+            <a:ext cx="1666875" cy="1504950"/>
+          </a:xfrm>
+          <a:prstGeom prst="rect">
+            <a:avLst/>
+          </a:prstGeom>
+        </p:spPr>
+        <p:style>
+          <a:lnRef idx="2">
+            <a:schemeClr val="accent1">
+              <a:shade val="15000"/>
+            </a:schemeClr>
+          </a:lnRef>
+          <a:fillRef idx="1">
+            <a:schemeClr val="accent1"/>
+          </a:fillRef>
+          <a:effectRef idx="0">
+            <a:schemeClr val="accent1"/>
+          </a:effectRef>
+          <a:fontRef idx="minor">
+            <a:schemeClr val="lt1"/>
+          </a:fontRef>
+        </p:style>
+        <p:txBody>
+          <a:bodyPr rtlCol="0" anchor="ctr"/>
+          <a:lstStyle/>
+          <a:p>
+            <a:pPr algn="ctr"/>
+            <a:r>
+              <a:rPr lang="zh-CN" altLang="en-US" dirty="0"/>
+              <a:t>网络</a:t>
+            </a:r>
+            <a:endParaRPr lang="en-US" altLang="zh-CN" dirty="0"/>
+          </a:p>
+          <a:p>
+            <a:pPr algn="ctr"/>
+            <a:r>
+              <a:rPr lang="en-US" altLang="zh-CN" dirty="0"/>
+              <a:t>network</a:t>
+            </a:r>
+            <a:endParaRPr lang="zh-CN" altLang="en-US" dirty="0"/>
+          </a:p>
+        </p:txBody>
+      </p:sp>
+      <p:sp>
+        <p:nvSpPr>
+          <p:cNvPr id="5" name="矩形 4">
+            <a:extLst>
+              <a:ext uri="{FF2B5EF4-FFF2-40B4-BE49-F238E27FC236}">
+                <a16:creationId xmlns:a16="http://schemas.microsoft.com/office/drawing/2014/main" id="{57062A78-9F8D-761A-C16F-C6AB0FB6DAD3}"/>
+              </a:ext>
+            </a:extLst>
+          </p:cNvPr>
+          <p:cNvSpPr/>
+          <p:nvPr/>
+        </p:nvSpPr>
+        <p:spPr>
+          <a:xfrm>
+            <a:off x="7796212" y="1704975"/>
+            <a:ext cx="1666875" cy="1504950"/>
+          </a:xfrm>
+          <a:prstGeom prst="rect">
+            <a:avLst/>
+          </a:prstGeom>
+        </p:spPr>
+        <p:style>
+          <a:lnRef idx="2">
+            <a:schemeClr val="accent1">
+              <a:shade val="15000"/>
+            </a:schemeClr>
+          </a:lnRef>
+          <a:fillRef idx="1">
+            <a:schemeClr val="accent1"/>
+          </a:fillRef>
+          <a:effectRef idx="0">
+            <a:schemeClr val="accent1"/>
+          </a:effectRef>
+          <a:fontRef idx="minor">
+            <a:schemeClr val="lt1"/>
+          </a:fontRef>
+        </p:style>
+        <p:txBody>
+          <a:bodyPr rtlCol="0" anchor="ctr"/>
+          <a:lstStyle/>
+          <a:p>
+            <a:pPr algn="ctr"/>
+            <a:r>
+              <a:rPr lang="zh-CN" altLang="en-US" dirty="0"/>
+              <a:t>数据</a:t>
+            </a:r>
+            <a:endParaRPr lang="en-US" altLang="zh-CN" dirty="0"/>
+          </a:p>
+          <a:p>
+            <a:pPr algn="ctr"/>
+            <a:r>
+              <a:rPr lang="en-US" altLang="zh-CN" dirty="0"/>
+              <a:t>data</a:t>
+            </a:r>
+            <a:endParaRPr lang="zh-CN" altLang="en-US" dirty="0"/>
+          </a:p>
+        </p:txBody>
+      </p:sp>
+      <p:sp>
+        <p:nvSpPr>
+          <p:cNvPr id="6" name="矩形 5">
+            <a:extLst>
+              <a:ext uri="{FF2B5EF4-FFF2-40B4-BE49-F238E27FC236}">
+                <a16:creationId xmlns:a16="http://schemas.microsoft.com/office/drawing/2014/main" id="{FC83C063-F297-C24C-1B2D-6C6BDFC9D429}"/>
+              </a:ext>
+            </a:extLst>
+          </p:cNvPr>
+          <p:cNvSpPr/>
+          <p:nvPr/>
+        </p:nvSpPr>
+        <p:spPr>
+          <a:xfrm>
+            <a:off x="5029201" y="4248150"/>
+            <a:ext cx="1666875" cy="1504950"/>
+          </a:xfrm>
+          <a:prstGeom prst="rect">
+            <a:avLst/>
+          </a:prstGeom>
+        </p:spPr>
+        <p:style>
+          <a:lnRef idx="2">
+            <a:schemeClr val="accent1">
+              <a:shade val="15000"/>
+            </a:schemeClr>
+          </a:lnRef>
+          <a:fillRef idx="1">
+            <a:schemeClr val="accent1"/>
+          </a:fillRef>
+          <a:effectRef idx="0">
+            <a:schemeClr val="accent1"/>
+          </a:effectRef>
+          <a:fontRef idx="minor">
+            <a:schemeClr val="lt1"/>
+          </a:fontRef>
+        </p:style>
+        <p:txBody>
+          <a:bodyPr rtlCol="0" anchor="ctr"/>
+          <a:lstStyle/>
+          <a:p>
+            <a:pPr algn="ctr"/>
+            <a:r>
+              <a:rPr lang="zh-CN" altLang="en-US" dirty="0"/>
+              <a:t>训练</a:t>
+            </a:r>
+            <a:endParaRPr lang="en-US" altLang="zh-CN" dirty="0"/>
+          </a:p>
+          <a:p>
+            <a:pPr algn="ctr"/>
+            <a:r>
+              <a:rPr lang="en-US" altLang="zh-CN" dirty="0"/>
+              <a:t>train</a:t>
+            </a:r>
+            <a:endParaRPr lang="zh-CN" altLang="en-US" dirty="0"/>
+          </a:p>
+        </p:txBody>
+      </p:sp>
+      <p:cxnSp>
+        <p:nvCxnSpPr>
+          <p:cNvPr id="8" name="连接符: 肘形 7">
+            <a:extLst>
+              <a:ext uri="{FF2B5EF4-FFF2-40B4-BE49-F238E27FC236}">
+                <a16:creationId xmlns:a16="http://schemas.microsoft.com/office/drawing/2014/main" id="{0FCF2BB3-09DC-8638-37B0-BB6A7C2D21B0}"/>
+              </a:ext>
+            </a:extLst>
+          </p:cNvPr>
+          <p:cNvCxnSpPr>
+            <a:stCxn id="4" idx="2"/>
+            <a:endCxn id="6" idx="0"/>
+          </p:cNvCxnSpPr>
+          <p:nvPr/>
+        </p:nvCxnSpPr>
+        <p:spPr>
+          <a:xfrm rot="16200000" flipH="1">
+            <a:off x="3638551" y="2024061"/>
+            <a:ext cx="1038225" cy="3409951"/>
+          </a:xfrm>
+          <a:prstGeom prst="bentConnector3">
+            <a:avLst/>
+          </a:prstGeom>
+          <a:ln>
+            <a:tailEnd type="triangle"/>
+          </a:ln>
+        </p:spPr>
+        <p:style>
+          <a:lnRef idx="2">
+            <a:schemeClr val="accent1"/>
+          </a:lnRef>
+          <a:fillRef idx="0">
+            <a:schemeClr val="accent1"/>
+          </a:fillRef>
+          <a:effectRef idx="1">
+            <a:schemeClr val="accent1"/>
+          </a:effectRef>
+          <a:fontRef idx="minor">
+            <a:schemeClr val="tx1"/>
+          </a:fontRef>
+        </p:style>
+      </p:cxnSp>
+      <p:cxnSp>
+        <p:nvCxnSpPr>
+          <p:cNvPr id="10" name="连接符: 肘形 9">
+            <a:extLst>
+              <a:ext uri="{FF2B5EF4-FFF2-40B4-BE49-F238E27FC236}">
+                <a16:creationId xmlns:a16="http://schemas.microsoft.com/office/drawing/2014/main" id="{22F886F6-A6A0-43ED-C5EA-BEEEF25D89E1}"/>
+              </a:ext>
+            </a:extLst>
+          </p:cNvPr>
+          <p:cNvCxnSpPr>
+            <a:stCxn id="5" idx="2"/>
+            <a:endCxn id="6" idx="0"/>
+          </p:cNvCxnSpPr>
+          <p:nvPr/>
+        </p:nvCxnSpPr>
+        <p:spPr>
+          <a:xfrm rot="5400000">
+            <a:off x="6727033" y="2345532"/>
+            <a:ext cx="1038225" cy="2767011"/>
+          </a:xfrm>
+          <a:prstGeom prst="bentConnector3">
+            <a:avLst/>
+          </a:prstGeom>
+          <a:ln>
+            <a:tailEnd type="triangle"/>
+          </a:ln>
+        </p:spPr>
+        <p:style>
+          <a:lnRef idx="2">
+            <a:schemeClr val="accent1"/>
+          </a:lnRef>
+          <a:fillRef idx="0">
+            <a:schemeClr val="accent1"/>
+          </a:fillRef>
+          <a:effectRef idx="1">
+            <a:schemeClr val="accent1"/>
+          </a:effectRef>
+          <a:fontRef idx="minor">
+            <a:schemeClr val="tx1"/>
+          </a:fontRef>
+        </p:style>
+      </p:cxnSp>
+    </p:spTree>
+    <p:extLst>
+      <p:ext uri="{BB962C8B-B14F-4D97-AF65-F5344CB8AC3E}">
+        <p14:creationId xmlns:p14="http://schemas.microsoft.com/office/powerpoint/2010/main" val="1443091437"/>
+      </p:ext>
+    </p:extLst>
+  </p:cSld>
+  <p:clrMapOvr>
+    <a:masterClrMapping/>
+  </p:clrMapOvr>
+</p:sld>
+</file>
+
+<file path=ppt/slides/slide5.xml><?xml version="1.0" encoding="utf-8"?>
+<p:sld xmlns:a="http://schemas.openxmlformats.org/drawingml/2006/main" xmlns:r="http://schemas.openxmlformats.org/officeDocument/2006/relationships" xmlns:p="http://schemas.openxmlformats.org/presentationml/2006/main">
+  <p:cSld>
+    <p:spTree>
+      <p:nvGrpSpPr>
+        <p:cNvPr id="1" name=""/>
+        <p:cNvGrpSpPr/>
+        <p:nvPr/>
+      </p:nvGrpSpPr>
+      <p:grpSpPr>
+        <a:xfrm>
+          <a:off x="0" y="0"/>
+          <a:ext cx="0" cy="0"/>
+          <a:chOff x="0" y="0"/>
+          <a:chExt cx="0" cy="0"/>
+        </a:xfrm>
+      </p:grpSpPr>
+      <p:cxnSp>
+        <p:nvCxnSpPr>
+          <p:cNvPr id="3" name="直接连接符 2">
+            <a:extLst>
+              <a:ext uri="{FF2B5EF4-FFF2-40B4-BE49-F238E27FC236}">
+                <a16:creationId xmlns:a16="http://schemas.microsoft.com/office/drawing/2014/main" id="{BDF5555D-3D6D-8C83-6DBF-DC6FF4F3FDE0}"/>
+              </a:ext>
+            </a:extLst>
+          </p:cNvPr>
+          <p:cNvCxnSpPr/>
+          <p:nvPr/>
+        </p:nvCxnSpPr>
+        <p:spPr>
+          <a:xfrm>
+            <a:off x="2476500" y="3676650"/>
+            <a:ext cx="5238750" cy="0"/>
+          </a:xfrm>
+          <a:prstGeom prst="line">
+            <a:avLst/>
+          </a:prstGeom>
+        </p:spPr>
+        <p:style>
+          <a:lnRef idx="2">
+            <a:schemeClr val="accent1"/>
+          </a:lnRef>
+          <a:fillRef idx="0">
+            <a:schemeClr val="accent1"/>
+          </a:fillRef>
+          <a:effectRef idx="1">
+            <a:schemeClr val="accent1"/>
+          </a:effectRef>
+          <a:fontRef idx="minor">
+            <a:schemeClr val="tx1"/>
+          </a:fontRef>
+        </p:style>
+      </p:cxnSp>
+      <p:cxnSp>
+        <p:nvCxnSpPr>
+          <p:cNvPr id="5" name="直接连接符 4">
+            <a:extLst>
+              <a:ext uri="{FF2B5EF4-FFF2-40B4-BE49-F238E27FC236}">
+                <a16:creationId xmlns:a16="http://schemas.microsoft.com/office/drawing/2014/main" id="{87B32605-39CB-E5AC-C305-8FFC2AC1EEE7}"/>
+              </a:ext>
+            </a:extLst>
+          </p:cNvPr>
+          <p:cNvCxnSpPr/>
+          <p:nvPr/>
+        </p:nvCxnSpPr>
+        <p:spPr>
+          <a:xfrm>
+            <a:off x="4733925" y="1066800"/>
+            <a:ext cx="0" cy="4962525"/>
+          </a:xfrm>
+          <a:prstGeom prst="line">
+            <a:avLst/>
+          </a:prstGeom>
+        </p:spPr>
+        <p:style>
+          <a:lnRef idx="2">
+            <a:schemeClr val="accent1"/>
+          </a:lnRef>
+          <a:fillRef idx="0">
+            <a:schemeClr val="accent1"/>
+          </a:fillRef>
+          <a:effectRef idx="1">
+            <a:schemeClr val="accent1"/>
+          </a:effectRef>
+          <a:fontRef idx="minor">
+            <a:schemeClr val="tx1"/>
+          </a:fontRef>
+        </p:style>
+      </p:cxnSp>
+      <p:cxnSp>
+        <p:nvCxnSpPr>
+          <p:cNvPr id="7" name="直接连接符 6">
+            <a:extLst>
+              <a:ext uri="{FF2B5EF4-FFF2-40B4-BE49-F238E27FC236}">
+                <a16:creationId xmlns:a16="http://schemas.microsoft.com/office/drawing/2014/main" id="{7211EF8D-9B66-986F-FF06-211DF4D89B80}"/>
+              </a:ext>
+            </a:extLst>
+          </p:cNvPr>
+          <p:cNvCxnSpPr/>
+          <p:nvPr/>
+        </p:nvCxnSpPr>
+        <p:spPr>
+          <a:xfrm>
+            <a:off x="3143250" y="3676650"/>
+            <a:ext cx="1590675" cy="0"/>
+          </a:xfrm>
+          <a:prstGeom prst="line">
+            <a:avLst/>
+          </a:prstGeom>
+          <a:ln>
+            <a:solidFill>
+              <a:srgbClr val="C00000"/>
+            </a:solidFill>
+          </a:ln>
+        </p:spPr>
+        <p:style>
+          <a:lnRef idx="2">
+            <a:schemeClr val="accent1"/>
+          </a:lnRef>
+          <a:fillRef idx="0">
+            <a:schemeClr val="accent1"/>
+          </a:fillRef>
+          <a:effectRef idx="1">
+            <a:schemeClr val="accent1"/>
+          </a:effectRef>
+          <a:fontRef idx="minor">
+            <a:schemeClr val="tx1"/>
+          </a:fontRef>
+        </p:style>
+      </p:cxnSp>
+      <p:cxnSp>
+        <p:nvCxnSpPr>
+          <p:cNvPr id="9" name="直接连接符 8">
+            <a:extLst>
+              <a:ext uri="{FF2B5EF4-FFF2-40B4-BE49-F238E27FC236}">
+                <a16:creationId xmlns:a16="http://schemas.microsoft.com/office/drawing/2014/main" id="{F4B0EC9B-3BDB-3B01-513F-FBA6BDA16599}"/>
+              </a:ext>
+            </a:extLst>
+          </p:cNvPr>
+          <p:cNvCxnSpPr/>
+          <p:nvPr/>
+        </p:nvCxnSpPr>
+        <p:spPr>
+          <a:xfrm flipV="1">
+            <a:off x="4733925" y="2162175"/>
+            <a:ext cx="1362075" cy="1514475"/>
+          </a:xfrm>
+          <a:prstGeom prst="line">
+            <a:avLst/>
+          </a:prstGeom>
+          <a:ln>
+            <a:solidFill>
+              <a:srgbClr val="C00000"/>
+            </a:solidFill>
+          </a:ln>
+        </p:spPr>
+        <p:style>
+          <a:lnRef idx="2">
+            <a:schemeClr val="accent1"/>
+          </a:lnRef>
+          <a:fillRef idx="0">
+            <a:schemeClr val="accent1"/>
+          </a:fillRef>
+          <a:effectRef idx="1">
+            <a:schemeClr val="accent1"/>
+          </a:effectRef>
+          <a:fontRef idx="minor">
+            <a:schemeClr val="tx1"/>
+          </a:fontRef>
+        </p:style>
+      </p:cxnSp>
+    </p:spTree>
+    <p:extLst>
+      <p:ext uri="{BB962C8B-B14F-4D97-AF65-F5344CB8AC3E}">
+        <p14:creationId xmlns:p14="http://schemas.microsoft.com/office/powerpoint/2010/main" val="2406172135"/>
       </p:ext>
     </p:extLst>
   </p:cSld>
